--- a/BFS and DFS.pptx
+++ b/BFS and DFS.pptx
@@ -15,6 +15,7 @@
     <p:sldId id="263" r:id="rId9"/>
     <p:sldId id="264" r:id="rId10"/>
     <p:sldId id="265" r:id="rId11"/>
+    <p:sldId id="266" r:id="rId12"/>
   </p:sldIdLst>
   <p:sldSz cx="12192000" cy="6858000"/>
   <p:notesSz cx="6858000" cy="9144000"/>
@@ -8078,8 +8079,8 @@
         </p:nvSpPr>
         <p:spPr>
           <a:xfrm>
-            <a:off x="4229100" y="1825624"/>
-            <a:ext cx="2674620" cy="3877985"/>
+            <a:off x="3640750" y="1825624"/>
+            <a:ext cx="3558540" cy="4720523"/>
           </a:xfrm>
           <a:prstGeom prst="rect">
             <a:avLst/>
@@ -8102,7 +8103,7 @@
               <a:buNone/>
             </a:pPr>
             <a:r>
-              <a:rPr lang="en-US" sz="800" kern="100" dirty="0">
+              <a:rPr lang="en-US" sz="1100" kern="100" dirty="0">
                 <a:effectLst/>
                 <a:latin typeface="Aptos" panose="020B0004020202020204" pitchFamily="34" charset="0"/>
                 <a:ea typeface="Aptos" panose="020B0004020202020204" pitchFamily="34" charset="0"/>
@@ -8122,7 +8123,7 @@
               <a:buNone/>
             </a:pPr>
             <a:r>
-              <a:rPr lang="en-US" sz="800" kern="100" dirty="0">
+              <a:rPr lang="en-US" sz="1100" kern="100" dirty="0">
                 <a:effectLst/>
                 <a:latin typeface="Aptos" panose="020B0004020202020204" pitchFamily="34" charset="0"/>
                 <a:ea typeface="Aptos" panose="020B0004020202020204" pitchFamily="34" charset="0"/>
@@ -8142,7 +8143,7 @@
               <a:buNone/>
             </a:pPr>
             <a:r>
-              <a:rPr lang="en-US" sz="800" kern="100" dirty="0">
+              <a:rPr lang="en-US" sz="1100" kern="100" dirty="0">
                 <a:effectLst/>
                 <a:latin typeface="Aptos" panose="020B0004020202020204" pitchFamily="34" charset="0"/>
                 <a:ea typeface="Aptos" panose="020B0004020202020204" pitchFamily="34" charset="0"/>
@@ -8162,7 +8163,7 @@
               <a:buNone/>
             </a:pPr>
             <a:r>
-              <a:rPr lang="en-US" sz="800" kern="100" dirty="0">
+              <a:rPr lang="en-US" sz="1100" kern="100" dirty="0">
                 <a:effectLst/>
                 <a:latin typeface="Aptos" panose="020B0004020202020204" pitchFamily="34" charset="0"/>
                 <a:ea typeface="Aptos" panose="020B0004020202020204" pitchFamily="34" charset="0"/>
@@ -8182,7 +8183,7 @@
               <a:buNone/>
             </a:pPr>
             <a:r>
-              <a:rPr lang="en-US" sz="800" kern="100" dirty="0">
+              <a:rPr lang="en-US" sz="1100" kern="100" dirty="0">
                 <a:effectLst/>
                 <a:latin typeface="Aptos" panose="020B0004020202020204" pitchFamily="34" charset="0"/>
                 <a:ea typeface="Aptos" panose="020B0004020202020204" pitchFamily="34" charset="0"/>
@@ -8202,7 +8203,7 @@
               <a:buNone/>
             </a:pPr>
             <a:r>
-              <a:rPr lang="en-US" sz="800" kern="100" dirty="0">
+              <a:rPr lang="en-US" sz="1100" kern="100" dirty="0">
                 <a:effectLst/>
                 <a:latin typeface="Aptos" panose="020B0004020202020204" pitchFamily="34" charset="0"/>
                 <a:ea typeface="Aptos" panose="020B0004020202020204" pitchFamily="34" charset="0"/>
@@ -8222,7 +8223,7 @@
               <a:buNone/>
             </a:pPr>
             <a:r>
-              <a:rPr lang="en-US" sz="800" kern="100" dirty="0">
+              <a:rPr lang="en-US" sz="1100" kern="100" dirty="0">
                 <a:effectLst/>
                 <a:latin typeface="Aptos" panose="020B0004020202020204" pitchFamily="34" charset="0"/>
                 <a:ea typeface="Aptos" panose="020B0004020202020204" pitchFamily="34" charset="0"/>
@@ -8231,7 +8232,7 @@
               <a:t>FUNCTION </a:t>
             </a:r>
             <a:r>
-              <a:rPr lang="en-US" sz="800" kern="100" dirty="0" err="1">
+              <a:rPr lang="en-US" sz="1100" kern="100" dirty="0" err="1">
                 <a:effectLst/>
                 <a:latin typeface="Aptos" panose="020B0004020202020204" pitchFamily="34" charset="0"/>
                 <a:ea typeface="Aptos" panose="020B0004020202020204" pitchFamily="34" charset="0"/>
@@ -8240,7 +8241,7 @@
               <a:t>Discover_Regions_DFS</a:t>
             </a:r>
             <a:r>
-              <a:rPr lang="en-US" sz="800" kern="100" dirty="0">
+              <a:rPr lang="en-US" sz="1100" kern="100" dirty="0">
                 <a:effectLst/>
                 <a:latin typeface="Aptos" panose="020B0004020202020204" pitchFamily="34" charset="0"/>
                 <a:ea typeface="Aptos" panose="020B0004020202020204" pitchFamily="34" charset="0"/>
@@ -8260,7 +8261,7 @@
               <a:buNone/>
             </a:pPr>
             <a:r>
-              <a:rPr lang="en-US" sz="800" kern="100" dirty="0">
+              <a:rPr lang="en-US" sz="1100" kern="100" dirty="0">
                 <a:effectLst/>
                 <a:latin typeface="Aptos" panose="020B0004020202020204" pitchFamily="34" charset="0"/>
                 <a:ea typeface="Aptos" panose="020B0004020202020204" pitchFamily="34" charset="0"/>
@@ -8280,7 +8281,7 @@
               <a:buNone/>
             </a:pPr>
             <a:r>
-              <a:rPr lang="en-US" sz="800" kern="100" dirty="0">
+              <a:rPr lang="en-US" sz="1100" kern="100" dirty="0">
                 <a:effectLst/>
                 <a:latin typeface="Aptos" panose="020B0004020202020204" pitchFamily="34" charset="0"/>
                 <a:ea typeface="Aptos" panose="020B0004020202020204" pitchFamily="34" charset="0"/>
@@ -8300,7 +8301,7 @@
               <a:buNone/>
             </a:pPr>
             <a:r>
-              <a:rPr lang="en-US" sz="800" kern="100" dirty="0">
+              <a:rPr lang="en-US" sz="1100" kern="100" dirty="0">
                 <a:effectLst/>
                 <a:latin typeface="Aptos" panose="020B0004020202020204" pitchFamily="34" charset="0"/>
                 <a:ea typeface="Aptos" panose="020B0004020202020204" pitchFamily="34" charset="0"/>
@@ -8320,7 +8321,7 @@
               <a:buNone/>
             </a:pPr>
             <a:r>
-              <a:rPr lang="en-US" sz="800" kern="100" dirty="0">
+              <a:rPr lang="en-US" sz="1100" kern="100" dirty="0">
                 <a:effectLst/>
                 <a:latin typeface="Aptos" panose="020B0004020202020204" pitchFamily="34" charset="0"/>
                 <a:ea typeface="Aptos" panose="020B0004020202020204" pitchFamily="34" charset="0"/>
@@ -8340,7 +8341,7 @@
               <a:buNone/>
             </a:pPr>
             <a:r>
-              <a:rPr lang="en-US" sz="800" kern="100" dirty="0">
+              <a:rPr lang="en-US" sz="1100" kern="100" dirty="0">
                 <a:effectLst/>
                 <a:latin typeface="Aptos" panose="020B0004020202020204" pitchFamily="34" charset="0"/>
                 <a:ea typeface="Aptos" panose="020B0004020202020204" pitchFamily="34" charset="0"/>
@@ -8360,7 +8361,7 @@
               <a:buNone/>
             </a:pPr>
             <a:r>
-              <a:rPr lang="en-US" sz="800" kern="100" dirty="0">
+              <a:rPr lang="en-US" sz="1100" kern="100" dirty="0">
                 <a:effectLst/>
                 <a:latin typeface="Aptos" panose="020B0004020202020204" pitchFamily="34" charset="0"/>
                 <a:ea typeface="Aptos" panose="020B0004020202020204" pitchFamily="34" charset="0"/>
@@ -8380,7 +8381,7 @@
               <a:buNone/>
             </a:pPr>
             <a:r>
-              <a:rPr lang="en-US" sz="800" kern="100" dirty="0">
+              <a:rPr lang="en-US" sz="1100" kern="100" dirty="0">
                 <a:effectLst/>
                 <a:latin typeface="Aptos" panose="020B0004020202020204" pitchFamily="34" charset="0"/>
                 <a:ea typeface="Aptos" panose="020B0004020202020204" pitchFamily="34" charset="0"/>
@@ -8400,7 +8401,7 @@
               <a:buNone/>
             </a:pPr>
             <a:r>
-              <a:rPr lang="en-US" sz="800" kern="100" dirty="0">
+              <a:rPr lang="en-US" sz="1100" kern="100" dirty="0">
                 <a:effectLst/>
                 <a:latin typeface="Aptos" panose="020B0004020202020204" pitchFamily="34" charset="0"/>
                 <a:ea typeface="Aptos" panose="020B0004020202020204" pitchFamily="34" charset="0"/>
@@ -8414,7 +8415,7 @@
               <a:buNone/>
             </a:pPr>
             <a:r>
-              <a:rPr lang="en-US" sz="800" dirty="0">
+              <a:rPr lang="en-US" sz="1100" dirty="0">
                 <a:effectLst/>
                 <a:latin typeface="Aptos" panose="020B0004020202020204" pitchFamily="34" charset="0"/>
                 <a:ea typeface="Aptos" panose="020B0004020202020204" pitchFamily="34" charset="0"/>
@@ -8422,7 +8423,7 @@
               </a:rPr>
               <a:t>    RETURN regions</a:t>
             </a:r>
-            <a:endParaRPr lang="en-US" sz="800" dirty="0"/>
+            <a:endParaRPr lang="en-US" sz="1100" dirty="0"/>
           </a:p>
         </p:txBody>
       </p:sp>
@@ -8440,7 +8441,7 @@
         </p:nvSpPr>
         <p:spPr>
           <a:xfrm>
-            <a:off x="4991100" y="1303456"/>
+            <a:off x="4810797" y="1303456"/>
             <a:ext cx="647700" cy="369332"/>
           </a:xfrm>
           <a:prstGeom prst="rect">
@@ -8528,6 +8529,279 @@
     <p:extLst>
       <p:ext uri="{BB962C8B-B14F-4D97-AF65-F5344CB8AC3E}">
         <p14:creationId xmlns:p14="http://schemas.microsoft.com/office/powerpoint/2010/main" val="3408548326"/>
+      </p:ext>
+    </p:extLst>
+  </p:cSld>
+  <p:clrMapOvr>
+    <a:masterClrMapping/>
+  </p:clrMapOvr>
+</p:sld>
+</file>
+
+<file path=ppt/slides/slide11.xml><?xml version="1.0" encoding="utf-8"?>
+<p:sld xmlns:a="http://schemas.openxmlformats.org/drawingml/2006/main" xmlns:r="http://schemas.openxmlformats.org/officeDocument/2006/relationships" xmlns:p="http://schemas.openxmlformats.org/presentationml/2006/main">
+  <p:cSld>
+    <p:bg>
+      <p:bgPr>
+        <a:solidFill>
+          <a:schemeClr val="bg1"/>
+        </a:solidFill>
+        <a:effectLst/>
+      </p:bgPr>
+    </p:bg>
+    <p:spTree>
+      <p:nvGrpSpPr>
+        <p:cNvPr id="1" name="">
+          <a:extLst>
+            <a:ext uri="{FF2B5EF4-FFF2-40B4-BE49-F238E27FC236}">
+              <a16:creationId xmlns:a16="http://schemas.microsoft.com/office/drawing/2014/main" id="{3D28E7D7-C4C1-F691-6F2F-D3FAC6D00A2C}"/>
+            </a:ext>
+          </a:extLst>
+        </p:cNvPr>
+        <p:cNvGrpSpPr/>
+        <p:nvPr/>
+      </p:nvGrpSpPr>
+      <p:grpSpPr>
+        <a:xfrm>
+          <a:off x="0" y="0"/>
+          <a:ext cx="0" cy="0"/>
+          <a:chOff x="0" y="0"/>
+          <a:chExt cx="0" cy="0"/>
+        </a:xfrm>
+      </p:grpSpPr>
+      <p:sp useBgFill="1">
+        <p:nvSpPr>
+          <p:cNvPr id="16" name="Rectangle 15">
+            <a:extLst>
+              <a:ext uri="{FF2B5EF4-FFF2-40B4-BE49-F238E27FC236}">
+                <a16:creationId xmlns:a16="http://schemas.microsoft.com/office/drawing/2014/main" id="{8280D64C-2ADE-6792-74ED-AC0675E048CA}"/>
+              </a:ext>
+              <a:ext uri="{C183D7F6-B498-43B3-948B-1728B52AA6E4}">
+                <adec:decorative xmlns:adec="http://schemas.microsoft.com/office/drawing/2017/decorative" val="1"/>
+              </a:ext>
+            </a:extLst>
+          </p:cNvPr>
+          <p:cNvSpPr>
+            <a:spLocks noGrp="1" noRot="1" noChangeAspect="1" noMove="1" noResize="1" noEditPoints="1" noAdjustHandles="1" noChangeArrowheads="1" noChangeShapeType="1" noTextEdit="1"/>
+          </p:cNvSpPr>
+          <p:nvPr>
+            <p:extLst>
+              <p:ext uri="{386F3935-93C4-4BCD-93E2-E3B085C9AB24}">
+                <p16:designElem xmlns:p16="http://schemas.microsoft.com/office/powerpoint/2015/main" val="1"/>
+              </p:ext>
+            </p:extLst>
+          </p:nvPr>
+        </p:nvSpPr>
+        <p:spPr>
+          <a:xfrm>
+            <a:off x="-1" y="0"/>
+            <a:ext cx="12188952" cy="6858000"/>
+          </a:xfrm>
+          <a:prstGeom prst="rect">
+            <a:avLst/>
+          </a:prstGeom>
+          <a:ln>
+            <a:noFill/>
+          </a:ln>
+        </p:spPr>
+        <p:style>
+          <a:lnRef idx="2">
+            <a:schemeClr val="accent1">
+              <a:shade val="50000"/>
+            </a:schemeClr>
+          </a:lnRef>
+          <a:fillRef idx="1">
+            <a:schemeClr val="accent1"/>
+          </a:fillRef>
+          <a:effectRef idx="0">
+            <a:schemeClr val="accent1"/>
+          </a:effectRef>
+          <a:fontRef idx="minor">
+            <a:schemeClr val="lt1"/>
+          </a:fontRef>
+        </p:style>
+        <p:txBody>
+          <a:bodyPr rtlCol="0" anchor="ctr"/>
+          <a:lstStyle/>
+          <a:p>
+            <a:pPr algn="ctr"/>
+            <a:endParaRPr lang="en-US"/>
+          </a:p>
+        </p:txBody>
+      </p:sp>
+      <p:pic>
+        <p:nvPicPr>
+          <p:cNvPr id="5" name="Picture 4" descr="Computer script on a screen">
+            <a:extLst>
+              <a:ext uri="{FF2B5EF4-FFF2-40B4-BE49-F238E27FC236}">
+                <a16:creationId xmlns:a16="http://schemas.microsoft.com/office/drawing/2014/main" id="{202B660A-DF9F-DE03-D575-2BF6760D9B95}"/>
+              </a:ext>
+            </a:extLst>
+          </p:cNvPr>
+          <p:cNvPicPr>
+            <a:picLocks noChangeAspect="1"/>
+          </p:cNvPicPr>
+          <p:nvPr/>
+        </p:nvPicPr>
+        <p:blipFill>
+          <a:blip r:embed="rId2"/>
+          <a:srcRect r="5882" b="-1"/>
+          <a:stretch>
+            <a:fillRect/>
+          </a:stretch>
+        </p:blipFill>
+        <p:spPr>
+          <a:xfrm>
+            <a:off x="1" y="10"/>
+            <a:ext cx="9669642" cy="6857990"/>
+          </a:xfrm>
+          <a:prstGeom prst="rect">
+            <a:avLst/>
+          </a:prstGeom>
+        </p:spPr>
+      </p:pic>
+      <p:sp>
+        <p:nvSpPr>
+          <p:cNvPr id="18" name="Rectangle 17">
+            <a:extLst>
+              <a:ext uri="{FF2B5EF4-FFF2-40B4-BE49-F238E27FC236}">
+                <a16:creationId xmlns:a16="http://schemas.microsoft.com/office/drawing/2014/main" id="{4EBACB30-38C3-EE30-239F-A66106024505}"/>
+              </a:ext>
+              <a:ext uri="{C183D7F6-B498-43B3-948B-1728B52AA6E4}">
+                <adec:decorative xmlns:adec="http://schemas.microsoft.com/office/drawing/2017/decorative" val="1"/>
+              </a:ext>
+            </a:extLst>
+          </p:cNvPr>
+          <p:cNvSpPr>
+            <a:spLocks noGrp="1" noRot="1" noChangeAspect="1" noMove="1" noResize="1" noEditPoints="1" noAdjustHandles="1" noChangeArrowheads="1" noChangeShapeType="1" noTextEdit="1"/>
+          </p:cNvSpPr>
+          <p:nvPr>
+            <p:extLst>
+              <p:ext uri="{386F3935-93C4-4BCD-93E2-E3B085C9AB24}">
+                <p16:designElem xmlns:p16="http://schemas.microsoft.com/office/powerpoint/2015/main" val="1"/>
+              </p:ext>
+            </p:extLst>
+          </p:nvPr>
+        </p:nvSpPr>
+        <p:spPr>
+          <a:xfrm flipH="1">
+            <a:off x="5125019" y="0"/>
+            <a:ext cx="7066978" cy="6858000"/>
+          </a:xfrm>
+          <a:prstGeom prst="rect">
+            <a:avLst/>
+          </a:prstGeom>
+          <a:gradFill>
+            <a:gsLst>
+              <a:gs pos="48000">
+                <a:schemeClr val="bg1"/>
+              </a:gs>
+              <a:gs pos="35000">
+                <a:schemeClr val="bg1">
+                  <a:alpha val="77000"/>
+                </a:schemeClr>
+              </a:gs>
+              <a:gs pos="19000">
+                <a:schemeClr val="bg1">
+                  <a:alpha val="38000"/>
+                </a:schemeClr>
+              </a:gs>
+              <a:gs pos="0">
+                <a:schemeClr val="bg1">
+                  <a:alpha val="0"/>
+                </a:schemeClr>
+              </a:gs>
+              <a:gs pos="100000">
+                <a:schemeClr val="bg1"/>
+              </a:gs>
+            </a:gsLst>
+            <a:lin ang="10800000" scaled="0"/>
+          </a:gradFill>
+          <a:ln>
+            <a:noFill/>
+          </a:ln>
+        </p:spPr>
+        <p:style>
+          <a:lnRef idx="2">
+            <a:schemeClr val="accent1">
+              <a:shade val="50000"/>
+            </a:schemeClr>
+          </a:lnRef>
+          <a:fillRef idx="1">
+            <a:schemeClr val="accent1"/>
+          </a:fillRef>
+          <a:effectRef idx="0">
+            <a:schemeClr val="accent1"/>
+          </a:effectRef>
+          <a:fontRef idx="minor">
+            <a:schemeClr val="lt1"/>
+          </a:fontRef>
+        </p:style>
+        <p:txBody>
+          <a:bodyPr rtlCol="0" anchor="ctr"/>
+          <a:lstStyle/>
+          <a:p>
+            <a:pPr algn="ctr"/>
+            <a:endParaRPr lang="en-US" dirty="0"/>
+          </a:p>
+        </p:txBody>
+      </p:sp>
+      <p:sp>
+        <p:nvSpPr>
+          <p:cNvPr id="2" name="Title 1">
+            <a:extLst>
+              <a:ext uri="{FF2B5EF4-FFF2-40B4-BE49-F238E27FC236}">
+                <a16:creationId xmlns:a16="http://schemas.microsoft.com/office/drawing/2014/main" id="{D4B494F4-7DD3-34AA-A7BB-BF34F7581B5E}"/>
+              </a:ext>
+            </a:extLst>
+          </p:cNvPr>
+          <p:cNvSpPr>
+            <a:spLocks noGrp="1"/>
+          </p:cNvSpPr>
+          <p:nvPr>
+            <p:ph type="title"/>
+          </p:nvPr>
+        </p:nvSpPr>
+        <p:spPr>
+          <a:xfrm>
+            <a:off x="5708865" y="827467"/>
+            <a:ext cx="6101061" cy="5203065"/>
+          </a:xfrm>
+        </p:spPr>
+        <p:txBody>
+          <a:bodyPr>
+            <a:normAutofit/>
+          </a:bodyPr>
+          <a:lstStyle/>
+          <a:p>
+            <a:r>
+              <a:rPr lang="en-US" sz="8000" b="1" dirty="0">
+                <a:effectLst>
+                  <a:outerShdw blurRad="38100" dist="38100" dir="2700000" algn="tl">
+                    <a:srgbClr val="000000">
+                      <a:alpha val="43137"/>
+                    </a:srgbClr>
+                  </a:outerShdw>
+                </a:effectLst>
+              </a:rPr>
+              <a:t>THANK YOU</a:t>
+            </a:r>
+            <a:endParaRPr lang="en-US" sz="8000" dirty="0">
+              <a:effectLst>
+                <a:outerShdw blurRad="38100" dist="38100" dir="2700000" algn="tl">
+                  <a:srgbClr val="000000">
+                    <a:alpha val="43137"/>
+                  </a:srgbClr>
+                </a:outerShdw>
+              </a:effectLst>
+            </a:endParaRPr>
+          </a:p>
+        </p:txBody>
+      </p:sp>
+    </p:spTree>
+    <p:extLst>
+      <p:ext uri="{BB962C8B-B14F-4D97-AF65-F5344CB8AC3E}">
+        <p14:creationId xmlns:p14="http://schemas.microsoft.com/office/powerpoint/2010/main" val="1267860159"/>
       </p:ext>
     </p:extLst>
   </p:cSld>
